--- a/data8/slides/lab4.pptx
+++ b/data8/slides/lab4.pptx
@@ -9,10 +9,10 @@
     <p:sldMasterId id="2147483699" r:id="rId5"/>
   </p:sldMasterIdLst>
   <p:notesMasterIdLst>
-    <p:notesMasterId r:id="rId18"/>
+    <p:notesMasterId r:id="rId19"/>
   </p:notesMasterIdLst>
   <p:handoutMasterIdLst>
-    <p:handoutMasterId r:id="rId19"/>
+    <p:handoutMasterId r:id="rId20"/>
   </p:handoutMasterIdLst>
   <p:sldIdLst>
     <p:sldId id="256" r:id="rId6"/>
@@ -25,8 +25,9 @@
     <p:sldId id="292" r:id="rId13"/>
     <p:sldId id="293" r:id="rId14"/>
     <p:sldId id="294" r:id="rId15"/>
-    <p:sldId id="267" r:id="rId16"/>
-    <p:sldId id="266" r:id="rId17"/>
+    <p:sldId id="266" r:id="rId16"/>
+    <p:sldId id="267" r:id="rId17"/>
+    <p:sldId id="295" r:id="rId18"/>
   </p:sldIdLst>
   <p:sldSz cx="9144000" cy="6858000" type="screen4x3"/>
   <p:notesSz cx="6858000" cy="9144000"/>
@@ -210,7 +211,7 @@
           <a:p>
             <a:fld id="{97CB1905-1EEB-6545-B5E2-B70E8868255E}" type="datetimeFigureOut">
               <a:rPr lang="en-US" smtClean="0"/>
-              <a:t>9/2/2019</a:t>
+              <a:t>9/20/2019</a:t>
             </a:fld>
             <a:endParaRPr lang="en-US"/>
           </a:p>
@@ -376,7 +377,7 @@
           <a:p>
             <a:fld id="{5F53F6BF-7462-9046-A2B6-90C29244BD27}" type="datetimeFigureOut">
               <a:rPr lang="en-US" smtClean="0"/>
-              <a:t>9/2/2019</a:t>
+              <a:t>9/20/2019</a:t>
             </a:fld>
             <a:endParaRPr lang="en-US"/>
           </a:p>
@@ -7699,9 +7700,6 @@
               </a:rPr>
               <a:t>Plots and Functions</a:t>
             </a:r>
-            <a:endParaRPr lang="en-US" b="1" dirty="0" smtClean="0">
-              <a:latin typeface="Avenir LT Std 45 Book" pitchFamily="34" charset="0"/>
-            </a:endParaRPr>
           </a:p>
           <a:p>
             <a:endParaRPr lang="en-US" b="1" dirty="0">
@@ -7713,13 +7711,7 @@
               <a:rPr lang="en-US" b="1" dirty="0" smtClean="0">
                 <a:latin typeface="Avenir LT Std 45 Book" pitchFamily="34" charset="0"/>
               </a:rPr>
-              <a:t>Hubert </a:t>
-            </a:r>
-            <a:r>
-              <a:rPr lang="en-US" b="1" dirty="0" smtClean="0">
-                <a:latin typeface="Avenir LT Std 45 Book" pitchFamily="34" charset="0"/>
-              </a:rPr>
-              <a:t>Luo</a:t>
+              <a:t>Hubert Luo</a:t>
             </a:r>
           </a:p>
           <a:p>
@@ -7811,13 +7803,7 @@
               <a:rPr lang="en-CA" dirty="0" smtClean="0">
                 <a:latin typeface="+mn-lt"/>
               </a:rPr>
-              <a:t>Functions: </a:t>
-            </a:r>
-            <a:r>
-              <a:rPr lang="en-CA" dirty="0" smtClean="0">
-                <a:latin typeface="+mn-lt"/>
-              </a:rPr>
-              <a:t>Demo</a:t>
+              <a:t>Functions: Demo</a:t>
             </a:r>
             <a:endParaRPr lang="en-CA" dirty="0">
               <a:latin typeface="+mn-lt"/>
@@ -7948,7 +7934,7 @@
               <a:rPr lang="en-CA" dirty="0" smtClean="0">
                 <a:latin typeface="+mn-lt"/>
               </a:rPr>
-              <a:t>Announcements</a:t>
+              <a:t>Lab Worksheet</a:t>
             </a:r>
             <a:endParaRPr lang="en-CA" dirty="0">
               <a:latin typeface="+mn-lt"/>
@@ -7976,8 +7962,11 @@
           <a:bodyPr/>
           <a:lstStyle/>
           <a:p>
-            <a:endParaRPr lang="en-CA" dirty="0">
-              <a:latin typeface="+mn-lt"/>
+            <a:pPr marL="0" indent="0">
+              <a:buNone/>
+            </a:pPr>
+            <a:endParaRPr lang="en-CA" dirty="0" smtClean="0">
+              <a:latin typeface="Avenir LT Std 45 Book" pitchFamily="34" charset="0"/>
             </a:endParaRPr>
           </a:p>
         </p:txBody>
@@ -7985,7 +7974,7 @@
     </p:spTree>
     <p:extLst>
       <p:ext uri="{BB962C8B-B14F-4D97-AF65-F5344CB8AC3E}">
-        <p14:creationId xmlns:p14="http://schemas.microsoft.com/office/powerpoint/2010/main" val="203414778"/>
+        <p14:creationId xmlns:p14="http://schemas.microsoft.com/office/powerpoint/2010/main" val="687167673"/>
       </p:ext>
     </p:extLst>
   </p:cSld>
@@ -8043,7 +8032,7 @@
               <a:rPr lang="en-CA" dirty="0" smtClean="0">
                 <a:latin typeface="+mn-lt"/>
               </a:rPr>
-              <a:t>Lab Notebook</a:t>
+              <a:t>Announcements</a:t>
             </a:r>
             <a:endParaRPr lang="en-CA" dirty="0">
               <a:latin typeface="+mn-lt"/>
@@ -8071,22 +8060,183 @@
           <a:bodyPr/>
           <a:lstStyle/>
           <a:p>
-            <a:pPr marL="0" indent="0">
-              <a:buNone/>
-            </a:pPr>
-            <a:r>
-              <a:rPr lang="en-CA" smtClean="0">
-                <a:latin typeface="Avenir LT Std 45 Book" pitchFamily="34" charset="0"/>
+            <a:r>
+              <a:rPr lang="en-CA" dirty="0" smtClean="0">
+                <a:latin typeface="+mn-lt"/>
               </a:rPr>
-              <a:t>TBD</a:t>
-            </a:r>
+              <a:t>Project 1 and HW4 getting released today</a:t>
+            </a:r>
+          </a:p>
+          <a:p>
+            <a:pPr lvl="1"/>
+            <a:r>
+              <a:rPr lang="en-CA" dirty="0" smtClean="0">
+                <a:latin typeface="+mn-lt"/>
+              </a:rPr>
+              <a:t>HW4 is pretty short!</a:t>
+            </a:r>
+          </a:p>
+          <a:p>
+            <a:r>
+              <a:rPr lang="en-CA" dirty="0" smtClean="0">
+                <a:latin typeface="+mn-lt"/>
+              </a:rPr>
+              <a:t>Everyone needs to fill out this form for partners:</a:t>
+            </a:r>
+          </a:p>
+          <a:p>
+            <a:pPr lvl="1"/>
+            <a:r>
+              <a:rPr lang="en-CA" dirty="0" smtClean="0">
+                <a:latin typeface="+mn-lt"/>
+              </a:rPr>
+              <a:t>Link: </a:t>
+            </a:r>
+            <a:r>
+              <a:rPr lang="en-CA" b="1" dirty="0">
+                <a:hlinkClick r:id="rId2"/>
+              </a:rPr>
+              <a:t>https://</a:t>
+            </a:r>
+            <a:r>
+              <a:rPr lang="en-CA" b="1" dirty="0" smtClean="0">
+                <a:hlinkClick r:id="rId2"/>
+              </a:rPr>
+              <a:t>tinyurl.com/data8-proj1-partners</a:t>
+            </a:r>
+            <a:endParaRPr lang="en-CA" b="1" dirty="0" smtClean="0"/>
+          </a:p>
+          <a:p>
+            <a:r>
+              <a:rPr lang="en-CA" dirty="0" smtClean="0">
+                <a:latin typeface="+mn-lt"/>
+              </a:rPr>
+              <a:t>We only have a set number of spots for tutoring sections –check the sign-up sheet periodically for availability</a:t>
+            </a:r>
+          </a:p>
+          <a:p>
+            <a:pPr lvl="1"/>
+            <a:r>
+              <a:rPr lang="en-CA" dirty="0" smtClean="0">
+                <a:latin typeface="+mn-lt"/>
+              </a:rPr>
+              <a:t>Don’t email course staff! </a:t>
+            </a:r>
+          </a:p>
+          <a:p>
+            <a:endParaRPr lang="en-CA" dirty="0" smtClean="0">
+              <a:latin typeface="+mn-lt"/>
+            </a:endParaRPr>
+          </a:p>
+          <a:p>
+            <a:endParaRPr lang="en-CA" dirty="0">
+              <a:latin typeface="+mn-lt"/>
+            </a:endParaRPr>
           </a:p>
         </p:txBody>
       </p:sp>
     </p:spTree>
     <p:extLst>
       <p:ext uri="{BB962C8B-B14F-4D97-AF65-F5344CB8AC3E}">
-        <p14:creationId xmlns:p14="http://schemas.microsoft.com/office/powerpoint/2010/main" val="687167673"/>
+        <p14:creationId xmlns:p14="http://schemas.microsoft.com/office/powerpoint/2010/main" val="203414778"/>
+      </p:ext>
+    </p:extLst>
+  </p:cSld>
+  <p:clrMapOvr>
+    <a:masterClrMapping/>
+  </p:clrMapOvr>
+  <p:timing>
+    <p:tnLst>
+      <p:par>
+        <p:cTn id="1" dur="indefinite" restart="never" nodeType="tmRoot"/>
+      </p:par>
+    </p:tnLst>
+  </p:timing>
+</p:sld>
+</file>
+
+<file path=ppt/slides/slide13.xml><?xml version="1.0" encoding="utf-8"?>
+<p:sld xmlns:a="http://schemas.openxmlformats.org/drawingml/2006/main" xmlns:r="http://schemas.openxmlformats.org/officeDocument/2006/relationships" xmlns:p="http://schemas.openxmlformats.org/presentationml/2006/main">
+  <p:cSld>
+    <p:spTree>
+      <p:nvGrpSpPr>
+        <p:cNvPr id="1" name=""/>
+        <p:cNvGrpSpPr/>
+        <p:nvPr/>
+      </p:nvGrpSpPr>
+      <p:grpSpPr>
+        <a:xfrm>
+          <a:off x="0" y="0"/>
+          <a:ext cx="0" cy="0"/>
+          <a:chOff x="0" y="0"/>
+          <a:chExt cx="0" cy="0"/>
+        </a:xfrm>
+      </p:grpSpPr>
+      <p:sp>
+        <p:nvSpPr>
+          <p:cNvPr id="2" name="Title 1"/>
+          <p:cNvSpPr>
+            <a:spLocks noGrp="1"/>
+          </p:cNvSpPr>
+          <p:nvPr>
+            <p:ph type="title"/>
+          </p:nvPr>
+        </p:nvSpPr>
+        <p:spPr>
+          <a:xfrm>
+            <a:off x="457200" y="449932"/>
+            <a:ext cx="8286750" cy="1150353"/>
+          </a:xfrm>
+        </p:spPr>
+        <p:txBody>
+          <a:bodyPr/>
+          <a:lstStyle/>
+          <a:p>
+            <a:r>
+              <a:rPr lang="en-CA" dirty="0" smtClean="0">
+                <a:latin typeface="+mn-lt"/>
+              </a:rPr>
+              <a:t>Lab Notebook</a:t>
+            </a:r>
+            <a:endParaRPr lang="en-CA" dirty="0">
+              <a:latin typeface="+mn-lt"/>
+            </a:endParaRPr>
+          </a:p>
+        </p:txBody>
+      </p:sp>
+      <p:sp>
+        <p:nvSpPr>
+          <p:cNvPr id="3" name="Content Placeholder 2"/>
+          <p:cNvSpPr>
+            <a:spLocks noGrp="1"/>
+          </p:cNvSpPr>
+          <p:nvPr>
+            <p:ph idx="1"/>
+          </p:nvPr>
+        </p:nvSpPr>
+        <p:spPr>
+          <a:xfrm>
+            <a:off x="457200" y="1756947"/>
+            <a:ext cx="8286750" cy="3596103"/>
+          </a:xfrm>
+        </p:spPr>
+        <p:txBody>
+          <a:bodyPr/>
+          <a:lstStyle/>
+          <a:p>
+            <a:pPr marL="0" indent="0">
+              <a:buNone/>
+            </a:pPr>
+            <a:endParaRPr lang="en-CA" dirty="0" smtClean="0">
+              <a:latin typeface="Avenir LT Std 45 Book" pitchFamily="34" charset="0"/>
+            </a:endParaRPr>
+          </a:p>
+        </p:txBody>
+      </p:sp>
+    </p:spTree>
+    <p:extLst>
+      <p:ext uri="{BB962C8B-B14F-4D97-AF65-F5344CB8AC3E}">
+        <p14:creationId xmlns:p14="http://schemas.microsoft.com/office/powerpoint/2010/main" val="1183219753"/>
       </p:ext>
     </p:extLst>
   </p:cSld>
@@ -8443,13 +8593,7 @@
               <a:rPr lang="en-CA" dirty="0" smtClean="0">
                 <a:latin typeface="+mn-lt"/>
               </a:rPr>
-              <a:t>Plots: </a:t>
-            </a:r>
-            <a:r>
-              <a:rPr lang="en-CA" dirty="0" smtClean="0">
-                <a:latin typeface="+mn-lt"/>
-              </a:rPr>
-              <a:t>Demo</a:t>
+              <a:t>Plots: Demo</a:t>
             </a:r>
             <a:endParaRPr lang="en-CA" dirty="0">
               <a:latin typeface="+mn-lt"/>
@@ -8605,7 +8749,9 @@
           </a:xfrm>
         </p:spPr>
         <p:txBody>
-          <a:bodyPr/>
+          <a:bodyPr>
+            <a:normAutofit lnSpcReduction="10000"/>
+          </a:bodyPr>
           <a:lstStyle/>
           <a:p>
             <a:r>
@@ -8658,6 +8804,27 @@
                 <a:latin typeface="+mn-lt"/>
               </a:rPr>
               <a:t> (“Percent per unit on the x axis”)</a:t>
+            </a:r>
+          </a:p>
+          <a:p>
+            <a:pPr lvl="1"/>
+            <a:r>
+              <a:rPr lang="en-CA" dirty="0" smtClean="0">
+                <a:latin typeface="+mn-lt"/>
+              </a:rPr>
+              <a:t>How </a:t>
+            </a:r>
+            <a:r>
+              <a:rPr lang="en-CA" dirty="0">
+                <a:latin typeface="+mn-lt"/>
+              </a:rPr>
+              <a:t>“clustered” together the data is in a </a:t>
+            </a:r>
+            <a:r>
+              <a:rPr lang="en-CA" dirty="0" smtClean="0">
+                <a:latin typeface="+mn-lt"/>
+              </a:rPr>
+              <a:t>bin?</a:t>
             </a:r>
           </a:p>
           <a:p>
@@ -8780,9 +8947,6 @@
               </a:rPr>
               <a:t>From lecture:</a:t>
             </a:r>
-            <a:endParaRPr lang="en-CA" dirty="0" smtClean="0">
-              <a:latin typeface="+mn-lt"/>
-            </a:endParaRPr>
           </a:p>
         </p:txBody>
       </p:sp>
@@ -8913,13 +9077,7 @@
               <a:rPr lang="en-CA" dirty="0" smtClean="0">
                 <a:latin typeface="+mn-lt"/>
               </a:rPr>
-              <a:t>Histogram: </a:t>
-            </a:r>
-            <a:r>
-              <a:rPr lang="en-CA" dirty="0" smtClean="0">
-                <a:latin typeface="+mn-lt"/>
-              </a:rPr>
-              <a:t>Demo</a:t>
+              <a:t>Histogram: Demo</a:t>
             </a:r>
             <a:endParaRPr lang="en-CA" dirty="0">
               <a:latin typeface="+mn-lt"/>
@@ -9297,9 +9455,6 @@
               </a:rPr>
               <a:t>')</a:t>
             </a:r>
-            <a:endParaRPr lang="en-CA" dirty="0">
-              <a:latin typeface="+mn-lt"/>
-            </a:endParaRPr>
           </a:p>
         </p:txBody>
       </p:sp>
